--- a/T1/Семинар 1 Основы.pptx
+++ b/T1/Семинар 1 Основы.pptx
@@ -5,7 +5,7 @@
     <p:sldMasterId id="2147483648" r:id="rId1"/>
   </p:sldMasterIdLst>
   <p:notesMasterIdLst>
-    <p:notesMasterId r:id="rId30"/>
+    <p:notesMasterId r:id="rId32"/>
   </p:notesMasterIdLst>
   <p:sldIdLst>
     <p:sldId id="256" r:id="rId2"/>
@@ -35,7 +35,9 @@
     <p:sldId id="281" r:id="rId26"/>
     <p:sldId id="282" r:id="rId27"/>
     <p:sldId id="278" r:id="rId28"/>
-    <p:sldId id="271" r:id="rId29"/>
+    <p:sldId id="284" r:id="rId29"/>
+    <p:sldId id="285" r:id="rId30"/>
+    <p:sldId id="271" r:id="rId31"/>
   </p:sldIdLst>
   <p:sldSz cx="9144000" cy="6858000" type="screen4x3"/>
   <p:notesSz cx="6858000" cy="9144000"/>
@@ -11529,125 +11531,10 @@
       </p:grpSpPr>
       <p:sp>
         <p:nvSpPr>
-          <p:cNvPr id="3" name="Номер слайда 2">
-            <a:extLst>
-              <a:ext uri="{FF2B5EF4-FFF2-40B4-BE49-F238E27FC236}">
-                <a16:creationId xmlns:a16="http://schemas.microsoft.com/office/drawing/2014/main" id="{8F47A407-0F99-4956-8744-AA9D2FAF6466}"/>
-              </a:ext>
-            </a:extLst>
-          </p:cNvPr>
-          <p:cNvSpPr>
-            <a:spLocks noGrp="1"/>
-          </p:cNvSpPr>
-          <p:nvPr>
-            <p:ph type="sldNum" sz="quarter" idx="12"/>
-          </p:nvPr>
-        </p:nvSpPr>
-        <p:spPr/>
-        <p:txBody>
-          <a:bodyPr/>
-          <a:lstStyle/>
-          <a:p>
-            <a:fld id="{C91A140B-44EE-4255-A26C-1F2780EA458E}" type="slidenum">
-              <a:rPr lang="ru-RU" smtClean="0"/>
-              <a:t>27</a:t>
-            </a:fld>
-            <a:endParaRPr lang="ru-RU"/>
-          </a:p>
-        </p:txBody>
-      </p:sp>
-      <p:sp>
-        <p:nvSpPr>
-          <p:cNvPr id="7" name="Заголовок 3">
-            <a:extLst>
-              <a:ext uri="{FF2B5EF4-FFF2-40B4-BE49-F238E27FC236}">
-                <a16:creationId xmlns:a16="http://schemas.microsoft.com/office/drawing/2014/main" id="{E38085E9-BC57-418D-AE49-941A0801FCA7}"/>
-              </a:ext>
-            </a:extLst>
-          </p:cNvPr>
-          <p:cNvSpPr>
-            <a:spLocks noGrp="1"/>
-          </p:cNvSpPr>
-          <p:nvPr>
-            <p:ph type="title"/>
-          </p:nvPr>
-        </p:nvSpPr>
-        <p:spPr>
-          <a:xfrm>
-            <a:off x="3033132" y="123461"/>
-            <a:ext cx="5876692" cy="605879"/>
-          </a:xfrm>
-        </p:spPr>
-        <p:txBody>
-          <a:bodyPr>
-            <a:normAutofit/>
-          </a:bodyPr>
-          <a:lstStyle/>
-          <a:p>
-            <a:r>
-              <a:rPr lang="ru-RU" dirty="0"/>
-              <a:t>Вопрос 3. Основы </a:t>
-            </a:r>
-            <a:r>
-              <a:rPr lang="en-US" dirty="0"/>
-              <a:t>Java Script</a:t>
-            </a:r>
-            <a:endParaRPr lang="ru-RU" dirty="0"/>
-          </a:p>
-        </p:txBody>
-      </p:sp>
-      <p:sp>
-        <p:nvSpPr>
-          <p:cNvPr id="8" name="Объект 1">
-            <a:extLst>
-              <a:ext uri="{FF2B5EF4-FFF2-40B4-BE49-F238E27FC236}">
-                <a16:creationId xmlns:a16="http://schemas.microsoft.com/office/drawing/2014/main" id="{6F67EABA-CCB2-4B0F-966D-C7866014EE33}"/>
-              </a:ext>
-            </a:extLst>
-          </p:cNvPr>
-          <p:cNvSpPr>
-            <a:spLocks noGrp="1"/>
-          </p:cNvSpPr>
-          <p:nvPr>
-            <p:ph idx="1"/>
-          </p:nvPr>
-        </p:nvSpPr>
-        <p:spPr>
-          <a:xfrm>
-            <a:off x="272140" y="1071227"/>
-            <a:ext cx="7293579" cy="511595"/>
-          </a:xfrm>
-        </p:spPr>
-        <p:txBody>
-          <a:bodyPr>
-            <a:normAutofit/>
-          </a:bodyPr>
-          <a:lstStyle/>
-          <a:p>
-            <a:pPr marL="0" indent="0">
-              <a:buNone/>
-            </a:pPr>
-            <a:r>
-              <a:rPr lang="ru-RU" dirty="0"/>
-              <a:t>Где </a:t>
-            </a:r>
-            <a:r>
-              <a:rPr lang="en-US" dirty="0"/>
-              <a:t>JavaScript</a:t>
-            </a:r>
-            <a:r>
-              <a:rPr lang="ru-RU" dirty="0"/>
-              <a:t>?</a:t>
-            </a:r>
-          </a:p>
-        </p:txBody>
-      </p:sp>
-      <p:sp>
-        <p:nvSpPr>
-          <p:cNvPr id="10" name="TextBox 9">
-            <a:extLst>
-              <a:ext uri="{FF2B5EF4-FFF2-40B4-BE49-F238E27FC236}">
-                <a16:creationId xmlns:a16="http://schemas.microsoft.com/office/drawing/2014/main" id="{B58C8AAC-CBBD-40E0-882C-6255410551E5}"/>
+          <p:cNvPr id="12" name="TextBox 11">
+            <a:extLst>
+              <a:ext uri="{FF2B5EF4-FFF2-40B4-BE49-F238E27FC236}">
+                <a16:creationId xmlns:a16="http://schemas.microsoft.com/office/drawing/2014/main" id="{6DEEE899-F058-4BB1-8727-0237CDB04FA8}"/>
               </a:ext>
             </a:extLst>
           </p:cNvPr>
@@ -11656,58 +11543,7 @@
         </p:nvSpPr>
         <p:spPr>
           <a:xfrm>
-            <a:off x="272140" y="1740043"/>
-            <a:ext cx="8243210" cy="369332"/>
-          </a:xfrm>
-          <a:prstGeom prst="rect">
-            <a:avLst/>
-          </a:prstGeom>
-          <a:noFill/>
-        </p:spPr>
-        <p:txBody>
-          <a:bodyPr wrap="square">
-            <a:spAutoFit/>
-          </a:bodyPr>
-          <a:lstStyle/>
-          <a:p>
-            <a:r>
-              <a:rPr lang="ru-RU" dirty="0"/>
-              <a:t>В HTML код JavaScript помещают между тегами &lt;</a:t>
-            </a:r>
-            <a:r>
-              <a:rPr lang="ru-RU" dirty="0" err="1"/>
-              <a:t>script</a:t>
-            </a:r>
-            <a:r>
-              <a:rPr lang="ru-RU" dirty="0"/>
-              <a:t>&gt; и &lt;/</a:t>
-            </a:r>
-            <a:r>
-              <a:rPr lang="ru-RU" dirty="0" err="1"/>
-              <a:t>script</a:t>
-            </a:r>
-            <a:r>
-              <a:rPr lang="ru-RU" dirty="0"/>
-              <a:t>&gt;.</a:t>
-            </a:r>
-          </a:p>
-        </p:txBody>
-      </p:sp>
-      <p:sp>
-        <p:nvSpPr>
-          <p:cNvPr id="12" name="TextBox 11">
-            <a:extLst>
-              <a:ext uri="{FF2B5EF4-FFF2-40B4-BE49-F238E27FC236}">
-                <a16:creationId xmlns:a16="http://schemas.microsoft.com/office/drawing/2014/main" id="{6DEEE899-F058-4BB1-8727-0237CDB04FA8}"/>
-              </a:ext>
-            </a:extLst>
-          </p:cNvPr>
-          <p:cNvSpPr txBox="1"/>
-          <p:nvPr/>
-        </p:nvSpPr>
-        <p:spPr>
-          <a:xfrm>
-            <a:off x="272140" y="2291596"/>
+            <a:off x="253158" y="2751158"/>
             <a:ext cx="8637684" cy="3970318"/>
           </a:xfrm>
           <a:prstGeom prst="rect">
@@ -11890,6 +11726,188 @@
             <a:r>
               <a:rPr lang="ru-RU" dirty="0"/>
               <a:t>&gt; </a:t>
+            </a:r>
+          </a:p>
+        </p:txBody>
+      </p:sp>
+      <p:sp>
+        <p:nvSpPr>
+          <p:cNvPr id="3" name="Номер слайда 2">
+            <a:extLst>
+              <a:ext uri="{FF2B5EF4-FFF2-40B4-BE49-F238E27FC236}">
+                <a16:creationId xmlns:a16="http://schemas.microsoft.com/office/drawing/2014/main" id="{8F47A407-0F99-4956-8744-AA9D2FAF6466}"/>
+              </a:ext>
+            </a:extLst>
+          </p:cNvPr>
+          <p:cNvSpPr>
+            <a:spLocks noGrp="1"/>
+          </p:cNvSpPr>
+          <p:nvPr>
+            <p:ph type="sldNum" sz="quarter" idx="12"/>
+          </p:nvPr>
+        </p:nvSpPr>
+        <p:spPr/>
+        <p:txBody>
+          <a:bodyPr/>
+          <a:lstStyle/>
+          <a:p>
+            <a:fld id="{C91A140B-44EE-4255-A26C-1F2780EA458E}" type="slidenum">
+              <a:rPr lang="ru-RU" smtClean="0"/>
+              <a:t>27</a:t>
+            </a:fld>
+            <a:endParaRPr lang="ru-RU"/>
+          </a:p>
+        </p:txBody>
+      </p:sp>
+      <p:sp>
+        <p:nvSpPr>
+          <p:cNvPr id="7" name="Заголовок 3">
+            <a:extLst>
+              <a:ext uri="{FF2B5EF4-FFF2-40B4-BE49-F238E27FC236}">
+                <a16:creationId xmlns:a16="http://schemas.microsoft.com/office/drawing/2014/main" id="{E38085E9-BC57-418D-AE49-941A0801FCA7}"/>
+              </a:ext>
+            </a:extLst>
+          </p:cNvPr>
+          <p:cNvSpPr>
+            <a:spLocks noGrp="1"/>
+          </p:cNvSpPr>
+          <p:nvPr>
+            <p:ph type="title"/>
+          </p:nvPr>
+        </p:nvSpPr>
+        <p:spPr>
+          <a:xfrm>
+            <a:off x="3033132" y="123461"/>
+            <a:ext cx="5876692" cy="605879"/>
+          </a:xfrm>
+        </p:spPr>
+        <p:txBody>
+          <a:bodyPr>
+            <a:normAutofit/>
+          </a:bodyPr>
+          <a:lstStyle/>
+          <a:p>
+            <a:r>
+              <a:rPr lang="ru-RU" dirty="0"/>
+              <a:t>Вопрос 3. Основы </a:t>
+            </a:r>
+            <a:r>
+              <a:rPr lang="en-US" dirty="0"/>
+              <a:t>Java Script</a:t>
+            </a:r>
+            <a:endParaRPr lang="ru-RU" dirty="0"/>
+          </a:p>
+        </p:txBody>
+      </p:sp>
+      <p:sp>
+        <p:nvSpPr>
+          <p:cNvPr id="8" name="Объект 1">
+            <a:extLst>
+              <a:ext uri="{FF2B5EF4-FFF2-40B4-BE49-F238E27FC236}">
+                <a16:creationId xmlns:a16="http://schemas.microsoft.com/office/drawing/2014/main" id="{6F67EABA-CCB2-4B0F-966D-C7866014EE33}"/>
+              </a:ext>
+            </a:extLst>
+          </p:cNvPr>
+          <p:cNvSpPr>
+            <a:spLocks noGrp="1"/>
+          </p:cNvSpPr>
+          <p:nvPr>
+            <p:ph idx="1"/>
+          </p:nvPr>
+        </p:nvSpPr>
+        <p:spPr>
+          <a:xfrm>
+            <a:off x="272140" y="1071227"/>
+            <a:ext cx="7293579" cy="511595"/>
+          </a:xfrm>
+        </p:spPr>
+        <p:txBody>
+          <a:bodyPr>
+            <a:normAutofit/>
+          </a:bodyPr>
+          <a:lstStyle/>
+          <a:p>
+            <a:pPr marL="0" indent="0">
+              <a:buNone/>
+            </a:pPr>
+            <a:r>
+              <a:rPr lang="ru-RU" dirty="0"/>
+              <a:t>Где </a:t>
+            </a:r>
+            <a:r>
+              <a:rPr lang="en-US" dirty="0"/>
+              <a:t>JavaScript</a:t>
+            </a:r>
+            <a:r>
+              <a:rPr lang="ru-RU" dirty="0"/>
+              <a:t>?</a:t>
+            </a:r>
+          </a:p>
+        </p:txBody>
+      </p:sp>
+      <p:sp>
+        <p:nvSpPr>
+          <p:cNvPr id="10" name="TextBox 9">
+            <a:extLst>
+              <a:ext uri="{FF2B5EF4-FFF2-40B4-BE49-F238E27FC236}">
+                <a16:creationId xmlns:a16="http://schemas.microsoft.com/office/drawing/2014/main" id="{B58C8AAC-CBBD-40E0-882C-6255410551E5}"/>
+              </a:ext>
+            </a:extLst>
+          </p:cNvPr>
+          <p:cNvSpPr txBox="1"/>
+          <p:nvPr/>
+        </p:nvSpPr>
+        <p:spPr>
+          <a:xfrm>
+            <a:off x="272140" y="1614922"/>
+            <a:ext cx="8618702" cy="923330"/>
+          </a:xfrm>
+          <a:prstGeom prst="rect">
+            <a:avLst/>
+          </a:prstGeom>
+          <a:noFill/>
+        </p:spPr>
+        <p:txBody>
+          <a:bodyPr wrap="square">
+            <a:spAutoFit/>
+          </a:bodyPr>
+          <a:lstStyle/>
+          <a:p>
+            <a:r>
+              <a:rPr lang="ru-RU" dirty="0"/>
+              <a:t>В HTML документе код Ява-скрипт помещают между тегами &lt;</a:t>
+            </a:r>
+            <a:r>
+              <a:rPr lang="ru-RU" dirty="0" err="1"/>
+              <a:t>script</a:t>
+            </a:r>
+            <a:r>
+              <a:rPr lang="ru-RU" dirty="0"/>
+              <a:t>&gt; и &lt;/</a:t>
+            </a:r>
+            <a:r>
+              <a:rPr lang="ru-RU" dirty="0" err="1"/>
+              <a:t>script</a:t>
+            </a:r>
+            <a:r>
+              <a:rPr lang="ru-RU" dirty="0"/>
+              <a:t>&gt;. Сценарии могут быть размещены в разделе &lt;</a:t>
+            </a:r>
+            <a:r>
+              <a:rPr lang="ru-RU" dirty="0" err="1"/>
+              <a:t>body</a:t>
+            </a:r>
+            <a:r>
+              <a:rPr lang="ru-RU" dirty="0"/>
+              <a:t>&gt; или в разделе &lt;</a:t>
+            </a:r>
+            <a:r>
+              <a:rPr lang="ru-RU" dirty="0" err="1"/>
+              <a:t>head</a:t>
+            </a:r>
+            <a:r>
+              <a:rPr lang="ru-RU" dirty="0"/>
+              <a:t>&gt; HTML-страницы, либо в обоих.</a:t>
             </a:r>
           </a:p>
         </p:txBody>
@@ -11924,10 +11942,1277 @@
           <a:chExt cx="0" cy="0"/>
         </a:xfrm>
       </p:grpSpPr>
+      <p:sp>
+        <p:nvSpPr>
+          <p:cNvPr id="12" name="TextBox 11">
+            <a:extLst>
+              <a:ext uri="{FF2B5EF4-FFF2-40B4-BE49-F238E27FC236}">
+                <a16:creationId xmlns:a16="http://schemas.microsoft.com/office/drawing/2014/main" id="{6DEEE899-F058-4BB1-8727-0237CDB04FA8}"/>
+              </a:ext>
+            </a:extLst>
+          </p:cNvPr>
+          <p:cNvSpPr txBox="1"/>
+          <p:nvPr/>
+        </p:nvSpPr>
+        <p:spPr>
+          <a:xfrm>
+            <a:off x="253158" y="1737599"/>
+            <a:ext cx="8494602" cy="4801314"/>
+          </a:xfrm>
+          <a:prstGeom prst="rect">
+            <a:avLst/>
+          </a:prstGeom>
+          <a:noFill/>
+          <a:ln>
+            <a:solidFill>
+              <a:schemeClr val="tx1">
+                <a:lumMod val="50000"/>
+                <a:lumOff val="50000"/>
+              </a:schemeClr>
+            </a:solidFill>
+          </a:ln>
+        </p:spPr>
+        <p:txBody>
+          <a:bodyPr wrap="square">
+            <a:spAutoFit/>
+          </a:bodyPr>
+          <a:lstStyle/>
+          <a:p>
+            <a:r>
+              <a:rPr lang="en-US" dirty="0"/>
+              <a:t>&lt;!DOCTYPE html&gt;</a:t>
+            </a:r>
+          </a:p>
+          <a:p>
+            <a:r>
+              <a:rPr lang="en-US" dirty="0"/>
+              <a:t>&lt;html&gt;</a:t>
+            </a:r>
+          </a:p>
+          <a:p>
+            <a:r>
+              <a:rPr lang="en-US" dirty="0"/>
+              <a:t>&lt;head&gt;</a:t>
+            </a:r>
+          </a:p>
+          <a:p>
+            <a:r>
+              <a:rPr lang="en-US" dirty="0"/>
+              <a:t>&lt;script&gt;</a:t>
+            </a:r>
+          </a:p>
+          <a:p>
+            <a:r>
+              <a:rPr lang="en-US" dirty="0"/>
+              <a:t>function </a:t>
+            </a:r>
+            <a:r>
+              <a:rPr lang="en-US" dirty="0" err="1"/>
+              <a:t>myFunction</a:t>
+            </a:r>
+            <a:r>
+              <a:rPr lang="en-US" dirty="0"/>
+              <a:t>() {</a:t>
+            </a:r>
+          </a:p>
+          <a:p>
+            <a:r>
+              <a:rPr lang="en-US" dirty="0"/>
+              <a:t>  </a:t>
+            </a:r>
+            <a:r>
+              <a:rPr lang="en-US" dirty="0" err="1"/>
+              <a:t>document.getElementById</a:t>
+            </a:r>
+            <a:r>
+              <a:rPr lang="en-US" dirty="0"/>
+              <a:t>("demo").</a:t>
+            </a:r>
+            <a:r>
+              <a:rPr lang="en-US" dirty="0" err="1"/>
+              <a:t>innerHTML</a:t>
+            </a:r>
+            <a:r>
+              <a:rPr lang="en-US" dirty="0"/>
+              <a:t> = "</a:t>
+            </a:r>
+            <a:r>
+              <a:rPr lang="ru-RU" dirty="0"/>
+              <a:t>Параграф изменился.";</a:t>
+            </a:r>
+          </a:p>
+          <a:p>
+            <a:r>
+              <a:rPr lang="ru-RU" dirty="0"/>
+              <a:t>}</a:t>
+            </a:r>
+          </a:p>
+          <a:p>
+            <a:r>
+              <a:rPr lang="ru-RU" dirty="0"/>
+              <a:t>&lt;/</a:t>
+            </a:r>
+            <a:r>
+              <a:rPr lang="en-US" dirty="0"/>
+              <a:t>script&gt;</a:t>
+            </a:r>
+          </a:p>
+          <a:p>
+            <a:r>
+              <a:rPr lang="en-US" dirty="0"/>
+              <a:t>&lt;/head&gt;</a:t>
+            </a:r>
+          </a:p>
+          <a:p>
+            <a:r>
+              <a:rPr lang="en-US" dirty="0"/>
+              <a:t>&lt;body&gt;</a:t>
+            </a:r>
+          </a:p>
+          <a:p>
+            <a:endParaRPr lang="en-US" dirty="0"/>
+          </a:p>
+          <a:p>
+            <a:r>
+              <a:rPr lang="en-US" dirty="0"/>
+              <a:t>&lt;h2&gt;</a:t>
+            </a:r>
+            <a:r>
+              <a:rPr lang="ru-RU" dirty="0"/>
+              <a:t>Ява-скрипт в заголовке&lt;/</a:t>
+            </a:r>
+            <a:r>
+              <a:rPr lang="en-US" dirty="0"/>
+              <a:t>h2&gt;</a:t>
+            </a:r>
+          </a:p>
+          <a:p>
+            <a:r>
+              <a:rPr lang="en-US" dirty="0"/>
+              <a:t>&lt;p id="demo"&gt;</a:t>
+            </a:r>
+            <a:r>
+              <a:rPr lang="ru-RU" dirty="0"/>
+              <a:t>Параграф.&lt;/</a:t>
+            </a:r>
+            <a:r>
+              <a:rPr lang="en-US" dirty="0"/>
+              <a:t>p&gt;</a:t>
+            </a:r>
+          </a:p>
+          <a:p>
+            <a:r>
+              <a:rPr lang="en-US" dirty="0"/>
+              <a:t>&lt;button type="button" onclick="</a:t>
+            </a:r>
+            <a:r>
+              <a:rPr lang="en-US" dirty="0" err="1"/>
+              <a:t>myFunction</a:t>
+            </a:r>
+            <a:r>
+              <a:rPr lang="en-US" dirty="0"/>
+              <a:t>()"&gt;</a:t>
+            </a:r>
+            <a:r>
+              <a:rPr lang="ru-RU" dirty="0"/>
+              <a:t>Попробуй&lt;/</a:t>
+            </a:r>
+            <a:r>
+              <a:rPr lang="en-US" dirty="0"/>
+              <a:t>button&gt;</a:t>
+            </a:r>
+          </a:p>
+          <a:p>
+            <a:endParaRPr lang="en-US" dirty="0"/>
+          </a:p>
+          <a:p>
+            <a:r>
+              <a:rPr lang="en-US" dirty="0"/>
+              <a:t>&lt;/body&gt;</a:t>
+            </a:r>
+          </a:p>
+          <a:p>
+            <a:r>
+              <a:rPr lang="en-US" dirty="0"/>
+              <a:t>&lt;/html&gt; </a:t>
+            </a:r>
+          </a:p>
+        </p:txBody>
+      </p:sp>
+      <p:sp>
+        <p:nvSpPr>
+          <p:cNvPr id="3" name="Номер слайда 2">
+            <a:extLst>
+              <a:ext uri="{FF2B5EF4-FFF2-40B4-BE49-F238E27FC236}">
+                <a16:creationId xmlns:a16="http://schemas.microsoft.com/office/drawing/2014/main" id="{8F47A407-0F99-4956-8744-AA9D2FAF6466}"/>
+              </a:ext>
+            </a:extLst>
+          </p:cNvPr>
+          <p:cNvSpPr>
+            <a:spLocks noGrp="1"/>
+          </p:cNvSpPr>
+          <p:nvPr>
+            <p:ph type="sldNum" sz="quarter" idx="12"/>
+          </p:nvPr>
+        </p:nvSpPr>
+        <p:spPr/>
+        <p:txBody>
+          <a:bodyPr/>
+          <a:lstStyle/>
+          <a:p>
+            <a:fld id="{C91A140B-44EE-4255-A26C-1F2780EA458E}" type="slidenum">
+              <a:rPr lang="ru-RU" smtClean="0"/>
+              <a:t>28</a:t>
+            </a:fld>
+            <a:endParaRPr lang="ru-RU"/>
+          </a:p>
+        </p:txBody>
+      </p:sp>
+      <p:sp>
+        <p:nvSpPr>
+          <p:cNvPr id="7" name="Заголовок 3">
+            <a:extLst>
+              <a:ext uri="{FF2B5EF4-FFF2-40B4-BE49-F238E27FC236}">
+                <a16:creationId xmlns:a16="http://schemas.microsoft.com/office/drawing/2014/main" id="{E38085E9-BC57-418D-AE49-941A0801FCA7}"/>
+              </a:ext>
+            </a:extLst>
+          </p:cNvPr>
+          <p:cNvSpPr>
+            <a:spLocks noGrp="1"/>
+          </p:cNvSpPr>
+          <p:nvPr>
+            <p:ph type="title"/>
+          </p:nvPr>
+        </p:nvSpPr>
+        <p:spPr>
+          <a:xfrm>
+            <a:off x="3033132" y="123461"/>
+            <a:ext cx="5876692" cy="605879"/>
+          </a:xfrm>
+        </p:spPr>
+        <p:txBody>
+          <a:bodyPr>
+            <a:normAutofit/>
+          </a:bodyPr>
+          <a:lstStyle/>
+          <a:p>
+            <a:r>
+              <a:rPr lang="ru-RU" dirty="0"/>
+              <a:t>Вопрос 3. Основы </a:t>
+            </a:r>
+            <a:r>
+              <a:rPr lang="en-US" dirty="0"/>
+              <a:t>Java Script</a:t>
+            </a:r>
+            <a:endParaRPr lang="ru-RU" dirty="0"/>
+          </a:p>
+        </p:txBody>
+      </p:sp>
+      <p:sp>
+        <p:nvSpPr>
+          <p:cNvPr id="10" name="TextBox 9">
+            <a:extLst>
+              <a:ext uri="{FF2B5EF4-FFF2-40B4-BE49-F238E27FC236}">
+                <a16:creationId xmlns:a16="http://schemas.microsoft.com/office/drawing/2014/main" id="{B58C8AAC-CBBD-40E0-882C-6255410551E5}"/>
+              </a:ext>
+            </a:extLst>
+          </p:cNvPr>
+          <p:cNvSpPr txBox="1"/>
+          <p:nvPr/>
+        </p:nvSpPr>
+        <p:spPr>
+          <a:xfrm>
+            <a:off x="272140" y="1105302"/>
+            <a:ext cx="8618702" cy="369332"/>
+          </a:xfrm>
+          <a:prstGeom prst="rect">
+            <a:avLst/>
+          </a:prstGeom>
+          <a:noFill/>
+        </p:spPr>
+        <p:txBody>
+          <a:bodyPr wrap="square">
+            <a:spAutoFit/>
+          </a:bodyPr>
+          <a:lstStyle/>
+          <a:p>
+            <a:r>
+              <a:rPr lang="ru-RU" dirty="0"/>
+              <a:t>В этом примере функция Ява-скрипт помещена в разделе &lt;</a:t>
+            </a:r>
+            <a:r>
+              <a:rPr lang="ru-RU" dirty="0" err="1"/>
+              <a:t>head</a:t>
+            </a:r>
+            <a:r>
+              <a:rPr lang="ru-RU" dirty="0"/>
+              <a:t>&gt;.</a:t>
+            </a:r>
+          </a:p>
+        </p:txBody>
+      </p:sp>
     </p:spTree>
     <p:extLst>
       <p:ext uri="{BB962C8B-B14F-4D97-AF65-F5344CB8AC3E}">
-        <p14:creationId xmlns:p14="http://schemas.microsoft.com/office/powerpoint/2010/main" val="3773522679"/>
+        <p14:creationId xmlns:p14="http://schemas.microsoft.com/office/powerpoint/2010/main" val="2439063344"/>
+      </p:ext>
+    </p:extLst>
+  </p:cSld>
+  <p:clrMapOvr>
+    <a:masterClrMapping/>
+  </p:clrMapOvr>
+</p:sld>
+</file>
+
+<file path=ppt/slides/slide29.xml><?xml version="1.0" encoding="utf-8"?>
+<p:sld xmlns:a="http://schemas.openxmlformats.org/drawingml/2006/main" xmlns:r="http://schemas.openxmlformats.org/officeDocument/2006/relationships" xmlns:p="http://schemas.openxmlformats.org/presentationml/2006/main">
+  <p:cSld>
+    <p:spTree>
+      <p:nvGrpSpPr>
+        <p:cNvPr id="1" name=""/>
+        <p:cNvGrpSpPr/>
+        <p:nvPr/>
+      </p:nvGrpSpPr>
+      <p:grpSpPr>
+        <a:xfrm>
+          <a:off x="0" y="0"/>
+          <a:ext cx="0" cy="0"/>
+          <a:chOff x="0" y="0"/>
+          <a:chExt cx="0" cy="0"/>
+        </a:xfrm>
+      </p:grpSpPr>
+      <p:sp>
+        <p:nvSpPr>
+          <p:cNvPr id="12" name="TextBox 11">
+            <a:extLst>
+              <a:ext uri="{FF2B5EF4-FFF2-40B4-BE49-F238E27FC236}">
+                <a16:creationId xmlns:a16="http://schemas.microsoft.com/office/drawing/2014/main" id="{6DEEE899-F058-4BB1-8727-0237CDB04FA8}"/>
+              </a:ext>
+            </a:extLst>
+          </p:cNvPr>
+          <p:cNvSpPr txBox="1"/>
+          <p:nvPr/>
+        </p:nvSpPr>
+        <p:spPr>
+          <a:xfrm>
+            <a:off x="334190" y="1264202"/>
+            <a:ext cx="8494602" cy="4801314"/>
+          </a:xfrm>
+          <a:prstGeom prst="rect">
+            <a:avLst/>
+          </a:prstGeom>
+          <a:noFill/>
+          <a:ln>
+            <a:solidFill>
+              <a:schemeClr val="tx1">
+                <a:lumMod val="50000"/>
+                <a:lumOff val="50000"/>
+              </a:schemeClr>
+            </a:solidFill>
+          </a:ln>
+        </p:spPr>
+        <p:txBody>
+          <a:bodyPr wrap="square">
+            <a:spAutoFit/>
+          </a:bodyPr>
+          <a:lstStyle/>
+          <a:p>
+            <a:r>
+              <a:rPr lang="en-US" sz="1700" b="0" i="0" dirty="0">
+                <a:solidFill>
+                  <a:srgbClr val="0000CD"/>
+                </a:solidFill>
+                <a:effectLst/>
+                <a:latin typeface="Consolas" panose="020B0609020204030204" pitchFamily="49" charset="0"/>
+              </a:rPr>
+              <a:t>&lt;</a:t>
+            </a:r>
+            <a:r>
+              <a:rPr lang="en-US" sz="1700" b="0" i="0" dirty="0">
+                <a:solidFill>
+                  <a:srgbClr val="A52A2A"/>
+                </a:solidFill>
+                <a:effectLst/>
+                <a:latin typeface="Consolas" panose="020B0609020204030204" pitchFamily="49" charset="0"/>
+              </a:rPr>
+              <a:t>!DOCTYPE</a:t>
+            </a:r>
+            <a:r>
+              <a:rPr lang="en-US" sz="1700" b="0" i="0" dirty="0">
+                <a:solidFill>
+                  <a:srgbClr val="FF0000"/>
+                </a:solidFill>
+                <a:effectLst/>
+                <a:latin typeface="Consolas" panose="020B0609020204030204" pitchFamily="49" charset="0"/>
+              </a:rPr>
+              <a:t> html</a:t>
+            </a:r>
+            <a:r>
+              <a:rPr lang="en-US" sz="1700" b="0" i="0" dirty="0">
+                <a:solidFill>
+                  <a:srgbClr val="0000CD"/>
+                </a:solidFill>
+                <a:effectLst/>
+                <a:latin typeface="Consolas" panose="020B0609020204030204" pitchFamily="49" charset="0"/>
+              </a:rPr>
+              <a:t>&gt;</a:t>
+            </a:r>
+            <a:br>
+              <a:rPr lang="en-US" sz="1700" dirty="0"/>
+            </a:br>
+            <a:r>
+              <a:rPr lang="en-US" sz="1700" b="0" i="0" dirty="0">
+                <a:solidFill>
+                  <a:srgbClr val="0000CD"/>
+                </a:solidFill>
+                <a:effectLst/>
+                <a:latin typeface="Consolas" panose="020B0609020204030204" pitchFamily="49" charset="0"/>
+              </a:rPr>
+              <a:t>&lt;</a:t>
+            </a:r>
+            <a:r>
+              <a:rPr lang="en-US" sz="1700" b="0" i="0" dirty="0">
+                <a:solidFill>
+                  <a:srgbClr val="A52A2A"/>
+                </a:solidFill>
+                <a:effectLst/>
+                <a:latin typeface="Consolas" panose="020B0609020204030204" pitchFamily="49" charset="0"/>
+              </a:rPr>
+              <a:t>html</a:t>
+            </a:r>
+            <a:r>
+              <a:rPr lang="en-US" sz="1700" b="0" i="0" dirty="0">
+                <a:solidFill>
+                  <a:srgbClr val="0000CD"/>
+                </a:solidFill>
+                <a:effectLst/>
+                <a:latin typeface="Consolas" panose="020B0609020204030204" pitchFamily="49" charset="0"/>
+              </a:rPr>
+              <a:t>&gt;</a:t>
+            </a:r>
+            <a:br>
+              <a:rPr lang="en-US" sz="1700" dirty="0"/>
+            </a:br>
+            <a:r>
+              <a:rPr lang="en-US" sz="1700" b="0" i="0" dirty="0">
+                <a:solidFill>
+                  <a:srgbClr val="0000CD"/>
+                </a:solidFill>
+                <a:effectLst/>
+                <a:latin typeface="Consolas" panose="020B0609020204030204" pitchFamily="49" charset="0"/>
+              </a:rPr>
+              <a:t>&lt;</a:t>
+            </a:r>
+            <a:r>
+              <a:rPr lang="en-US" sz="1700" b="0" i="0" dirty="0">
+                <a:solidFill>
+                  <a:srgbClr val="A52A2A"/>
+                </a:solidFill>
+                <a:effectLst/>
+                <a:latin typeface="Consolas" panose="020B0609020204030204" pitchFamily="49" charset="0"/>
+              </a:rPr>
+              <a:t>body</a:t>
+            </a:r>
+            <a:r>
+              <a:rPr lang="en-US" sz="1700" b="0" i="0" dirty="0">
+                <a:solidFill>
+                  <a:srgbClr val="0000CD"/>
+                </a:solidFill>
+                <a:effectLst/>
+                <a:latin typeface="Consolas" panose="020B0609020204030204" pitchFamily="49" charset="0"/>
+              </a:rPr>
+              <a:t>&gt;</a:t>
+            </a:r>
+            <a:br>
+              <a:rPr lang="en-US" sz="1700" dirty="0"/>
+            </a:br>
+            <a:br>
+              <a:rPr lang="en-US" sz="1700" dirty="0"/>
+            </a:br>
+            <a:r>
+              <a:rPr lang="en-US" sz="1700" b="0" i="0" dirty="0">
+                <a:solidFill>
+                  <a:srgbClr val="0000CD"/>
+                </a:solidFill>
+                <a:effectLst/>
+                <a:latin typeface="Consolas" panose="020B0609020204030204" pitchFamily="49" charset="0"/>
+              </a:rPr>
+              <a:t>&lt;</a:t>
+            </a:r>
+            <a:r>
+              <a:rPr lang="en-US" sz="1700" b="0" i="0" dirty="0">
+                <a:solidFill>
+                  <a:srgbClr val="A52A2A"/>
+                </a:solidFill>
+                <a:effectLst/>
+                <a:latin typeface="Consolas" panose="020B0609020204030204" pitchFamily="49" charset="0"/>
+              </a:rPr>
+              <a:t>h2</a:t>
+            </a:r>
+            <a:r>
+              <a:rPr lang="en-US" sz="1700" b="0" i="0" dirty="0">
+                <a:solidFill>
+                  <a:srgbClr val="0000CD"/>
+                </a:solidFill>
+                <a:effectLst/>
+                <a:latin typeface="Consolas" panose="020B0609020204030204" pitchFamily="49" charset="0"/>
+              </a:rPr>
+              <a:t>&gt;</a:t>
+            </a:r>
+            <a:r>
+              <a:rPr lang="ru-RU" sz="1700" b="0" i="0" dirty="0">
+                <a:solidFill>
+                  <a:srgbClr val="000000"/>
+                </a:solidFill>
+                <a:effectLst/>
+                <a:latin typeface="Consolas" panose="020B0609020204030204" pitchFamily="49" charset="0"/>
+              </a:rPr>
+              <a:t>Ява-скрипт в теле документа</a:t>
+            </a:r>
+            <a:r>
+              <a:rPr lang="en-US" sz="1700" b="0" i="0" dirty="0">
+                <a:solidFill>
+                  <a:srgbClr val="0000CD"/>
+                </a:solidFill>
+                <a:effectLst/>
+                <a:latin typeface="Consolas" panose="020B0609020204030204" pitchFamily="49" charset="0"/>
+              </a:rPr>
+              <a:t>&lt;</a:t>
+            </a:r>
+            <a:r>
+              <a:rPr lang="en-US" sz="1700" b="0" i="0" dirty="0">
+                <a:solidFill>
+                  <a:srgbClr val="A52A2A"/>
+                </a:solidFill>
+                <a:effectLst/>
+                <a:latin typeface="Consolas" panose="020B0609020204030204" pitchFamily="49" charset="0"/>
+              </a:rPr>
+              <a:t>/h2</a:t>
+            </a:r>
+            <a:r>
+              <a:rPr lang="en-US" sz="1700" b="0" i="0" dirty="0">
+                <a:solidFill>
+                  <a:srgbClr val="0000CD"/>
+                </a:solidFill>
+                <a:effectLst/>
+                <a:latin typeface="Consolas" panose="020B0609020204030204" pitchFamily="49" charset="0"/>
+              </a:rPr>
+              <a:t>&gt;</a:t>
+            </a:r>
+            <a:br>
+              <a:rPr lang="en-US" sz="1700" dirty="0"/>
+            </a:br>
+            <a:br>
+              <a:rPr lang="en-US" sz="1700" dirty="0"/>
+            </a:br>
+            <a:r>
+              <a:rPr lang="en-US" sz="1700" b="0" i="0" dirty="0">
+                <a:solidFill>
+                  <a:srgbClr val="0000CD"/>
+                </a:solidFill>
+                <a:effectLst/>
+                <a:latin typeface="Consolas" panose="020B0609020204030204" pitchFamily="49" charset="0"/>
+              </a:rPr>
+              <a:t>&lt;</a:t>
+            </a:r>
+            <a:r>
+              <a:rPr lang="en-US" sz="1700" b="0" i="0" dirty="0">
+                <a:solidFill>
+                  <a:srgbClr val="A52A2A"/>
+                </a:solidFill>
+                <a:effectLst/>
+                <a:latin typeface="Consolas" panose="020B0609020204030204" pitchFamily="49" charset="0"/>
+              </a:rPr>
+              <a:t>p</a:t>
+            </a:r>
+            <a:r>
+              <a:rPr lang="en-US" sz="1700" b="0" i="0" dirty="0">
+                <a:solidFill>
+                  <a:srgbClr val="FF0000"/>
+                </a:solidFill>
+                <a:effectLst/>
+                <a:latin typeface="Consolas" panose="020B0609020204030204" pitchFamily="49" charset="0"/>
+              </a:rPr>
+              <a:t> id</a:t>
+            </a:r>
+            <a:r>
+              <a:rPr lang="en-US" sz="1700" b="0" i="0" dirty="0">
+                <a:solidFill>
+                  <a:srgbClr val="0000CD"/>
+                </a:solidFill>
+                <a:effectLst/>
+                <a:latin typeface="Consolas" panose="020B0609020204030204" pitchFamily="49" charset="0"/>
+              </a:rPr>
+              <a:t>="demo"&gt;</a:t>
+            </a:r>
+            <a:r>
+              <a:rPr lang="ru-RU" sz="1700" dirty="0">
+                <a:solidFill>
+                  <a:srgbClr val="000000"/>
+                </a:solidFill>
+                <a:latin typeface="Consolas" panose="020B0609020204030204" pitchFamily="49" charset="0"/>
+              </a:rPr>
+              <a:t>П</a:t>
+            </a:r>
+            <a:r>
+              <a:rPr lang="ru-RU" sz="1700" b="0" i="0" dirty="0">
+                <a:solidFill>
+                  <a:srgbClr val="000000"/>
+                </a:solidFill>
+                <a:effectLst/>
+                <a:latin typeface="Consolas" panose="020B0609020204030204" pitchFamily="49" charset="0"/>
+              </a:rPr>
+              <a:t>араграф</a:t>
+            </a:r>
+            <a:r>
+              <a:rPr lang="en-US" sz="1700" b="0" i="0" dirty="0">
+                <a:solidFill>
+                  <a:srgbClr val="0000CD"/>
+                </a:solidFill>
+                <a:effectLst/>
+                <a:latin typeface="Consolas" panose="020B0609020204030204" pitchFamily="49" charset="0"/>
+              </a:rPr>
+              <a:t>&lt;</a:t>
+            </a:r>
+            <a:r>
+              <a:rPr lang="en-US" sz="1700" b="0" i="0" dirty="0">
+                <a:solidFill>
+                  <a:srgbClr val="A52A2A"/>
+                </a:solidFill>
+                <a:effectLst/>
+                <a:latin typeface="Consolas" panose="020B0609020204030204" pitchFamily="49" charset="0"/>
+              </a:rPr>
+              <a:t>/p</a:t>
+            </a:r>
+            <a:r>
+              <a:rPr lang="en-US" sz="1700" b="0" i="0" dirty="0">
+                <a:solidFill>
+                  <a:srgbClr val="0000CD"/>
+                </a:solidFill>
+                <a:effectLst/>
+                <a:latin typeface="Consolas" panose="020B0609020204030204" pitchFamily="49" charset="0"/>
+              </a:rPr>
+              <a:t>&gt;</a:t>
+            </a:r>
+            <a:br>
+              <a:rPr lang="en-US" sz="1700" dirty="0"/>
+            </a:br>
+            <a:br>
+              <a:rPr lang="en-US" sz="1700" dirty="0"/>
+            </a:br>
+            <a:r>
+              <a:rPr lang="en-US" sz="1700" b="0" i="0" dirty="0">
+                <a:solidFill>
+                  <a:srgbClr val="0000CD"/>
+                </a:solidFill>
+                <a:effectLst/>
+                <a:latin typeface="Consolas" panose="020B0609020204030204" pitchFamily="49" charset="0"/>
+              </a:rPr>
+              <a:t>&lt;</a:t>
+            </a:r>
+            <a:r>
+              <a:rPr lang="en-US" sz="1700" b="0" i="0" dirty="0">
+                <a:solidFill>
+                  <a:srgbClr val="A52A2A"/>
+                </a:solidFill>
+                <a:effectLst/>
+                <a:latin typeface="Consolas" panose="020B0609020204030204" pitchFamily="49" charset="0"/>
+              </a:rPr>
+              <a:t>button</a:t>
+            </a:r>
+            <a:r>
+              <a:rPr lang="en-US" sz="1700" b="0" i="0" dirty="0">
+                <a:solidFill>
+                  <a:srgbClr val="FF0000"/>
+                </a:solidFill>
+                <a:effectLst/>
+                <a:latin typeface="Consolas" panose="020B0609020204030204" pitchFamily="49" charset="0"/>
+              </a:rPr>
+              <a:t> type</a:t>
+            </a:r>
+            <a:r>
+              <a:rPr lang="en-US" sz="1700" b="0" i="0" dirty="0">
+                <a:solidFill>
+                  <a:srgbClr val="0000CD"/>
+                </a:solidFill>
+                <a:effectLst/>
+                <a:latin typeface="Consolas" panose="020B0609020204030204" pitchFamily="49" charset="0"/>
+              </a:rPr>
+              <a:t>="button"</a:t>
+            </a:r>
+            <a:r>
+              <a:rPr lang="en-US" sz="1700" b="0" i="0" dirty="0">
+                <a:solidFill>
+                  <a:srgbClr val="FF0000"/>
+                </a:solidFill>
+                <a:effectLst/>
+                <a:latin typeface="Consolas" panose="020B0609020204030204" pitchFamily="49" charset="0"/>
+              </a:rPr>
+              <a:t> onclick</a:t>
+            </a:r>
+            <a:r>
+              <a:rPr lang="en-US" sz="1700" b="0" i="0" dirty="0">
+                <a:solidFill>
+                  <a:srgbClr val="0000CD"/>
+                </a:solidFill>
+                <a:effectLst/>
+                <a:latin typeface="Consolas" panose="020B0609020204030204" pitchFamily="49" charset="0"/>
+              </a:rPr>
+              <a:t>="</a:t>
+            </a:r>
+            <a:r>
+              <a:rPr lang="en-US" sz="1700" b="0" i="0" dirty="0" err="1">
+                <a:solidFill>
+                  <a:srgbClr val="0000CD"/>
+                </a:solidFill>
+                <a:effectLst/>
+                <a:latin typeface="Consolas" panose="020B0609020204030204" pitchFamily="49" charset="0"/>
+              </a:rPr>
+              <a:t>myFunction</a:t>
+            </a:r>
+            <a:r>
+              <a:rPr lang="en-US" sz="1700" b="0" i="0" dirty="0">
+                <a:solidFill>
+                  <a:srgbClr val="0000CD"/>
+                </a:solidFill>
+                <a:effectLst/>
+                <a:latin typeface="Consolas" panose="020B0609020204030204" pitchFamily="49" charset="0"/>
+              </a:rPr>
+              <a:t>()"&gt;</a:t>
+            </a:r>
+            <a:r>
+              <a:rPr lang="en-US" sz="1700" b="0" i="0" dirty="0">
+                <a:solidFill>
+                  <a:srgbClr val="000000"/>
+                </a:solidFill>
+                <a:effectLst/>
+                <a:latin typeface="Consolas" panose="020B0609020204030204" pitchFamily="49" charset="0"/>
+              </a:rPr>
+              <a:t>Try it</a:t>
+            </a:r>
+            <a:r>
+              <a:rPr lang="en-US" sz="1700" b="0" i="0" dirty="0">
+                <a:solidFill>
+                  <a:srgbClr val="0000CD"/>
+                </a:solidFill>
+                <a:effectLst/>
+                <a:latin typeface="Consolas" panose="020B0609020204030204" pitchFamily="49" charset="0"/>
+              </a:rPr>
+              <a:t>&lt;</a:t>
+            </a:r>
+            <a:r>
+              <a:rPr lang="en-US" sz="1700" b="0" i="0" dirty="0">
+                <a:solidFill>
+                  <a:srgbClr val="A52A2A"/>
+                </a:solidFill>
+                <a:effectLst/>
+                <a:latin typeface="Consolas" panose="020B0609020204030204" pitchFamily="49" charset="0"/>
+              </a:rPr>
+              <a:t>/button</a:t>
+            </a:r>
+            <a:r>
+              <a:rPr lang="en-US" sz="1700" b="0" i="0" dirty="0">
+                <a:solidFill>
+                  <a:srgbClr val="0000CD"/>
+                </a:solidFill>
+                <a:effectLst/>
+                <a:latin typeface="Consolas" panose="020B0609020204030204" pitchFamily="49" charset="0"/>
+              </a:rPr>
+              <a:t>&gt;</a:t>
+            </a:r>
+            <a:br>
+              <a:rPr lang="en-US" sz="1700" dirty="0"/>
+            </a:br>
+            <a:br>
+              <a:rPr lang="en-US" sz="1700" dirty="0"/>
+            </a:br>
+            <a:r>
+              <a:rPr lang="en-US" sz="1700" b="0" i="0" dirty="0">
+                <a:solidFill>
+                  <a:srgbClr val="0000CD"/>
+                </a:solidFill>
+                <a:effectLst/>
+                <a:latin typeface="Consolas" panose="020B0609020204030204" pitchFamily="49" charset="0"/>
+              </a:rPr>
+              <a:t>&lt;</a:t>
+            </a:r>
+            <a:r>
+              <a:rPr lang="en-US" sz="1700" b="0" i="0" dirty="0">
+                <a:solidFill>
+                  <a:srgbClr val="A52A2A"/>
+                </a:solidFill>
+                <a:effectLst/>
+                <a:latin typeface="Consolas" panose="020B0609020204030204" pitchFamily="49" charset="0"/>
+              </a:rPr>
+              <a:t>script</a:t>
+            </a:r>
+            <a:r>
+              <a:rPr lang="en-US" sz="1700" b="0" i="0" dirty="0">
+                <a:solidFill>
+                  <a:srgbClr val="0000CD"/>
+                </a:solidFill>
+                <a:effectLst/>
+                <a:latin typeface="Consolas" panose="020B0609020204030204" pitchFamily="49" charset="0"/>
+              </a:rPr>
+              <a:t>&gt;</a:t>
+            </a:r>
+            <a:br>
+              <a:rPr lang="en-US" sz="1700" b="0" i="0" dirty="0">
+                <a:solidFill>
+                  <a:srgbClr val="000000"/>
+                </a:solidFill>
+                <a:effectLst/>
+                <a:latin typeface="Consolas" panose="020B0609020204030204" pitchFamily="49" charset="0"/>
+              </a:rPr>
+            </a:br>
+            <a:r>
+              <a:rPr lang="en-US" sz="1700" b="0" i="0" dirty="0">
+                <a:solidFill>
+                  <a:srgbClr val="0000CD"/>
+                </a:solidFill>
+                <a:effectLst/>
+                <a:latin typeface="Consolas" panose="020B0609020204030204" pitchFamily="49" charset="0"/>
+              </a:rPr>
+              <a:t>function</a:t>
+            </a:r>
+            <a:r>
+              <a:rPr lang="en-US" sz="1700" b="0" i="0" dirty="0">
+                <a:solidFill>
+                  <a:srgbClr val="000000"/>
+                </a:solidFill>
+                <a:effectLst/>
+                <a:latin typeface="Consolas" panose="020B0609020204030204" pitchFamily="49" charset="0"/>
+              </a:rPr>
+              <a:t> </a:t>
+            </a:r>
+            <a:r>
+              <a:rPr lang="en-US" sz="1700" b="0" i="0" dirty="0" err="1">
+                <a:solidFill>
+                  <a:srgbClr val="000000"/>
+                </a:solidFill>
+                <a:effectLst/>
+                <a:latin typeface="Consolas" panose="020B0609020204030204" pitchFamily="49" charset="0"/>
+              </a:rPr>
+              <a:t>myFunction</a:t>
+            </a:r>
+            <a:r>
+              <a:rPr lang="en-US" sz="1700" b="0" i="0" dirty="0">
+                <a:solidFill>
+                  <a:srgbClr val="000000"/>
+                </a:solidFill>
+                <a:effectLst/>
+                <a:latin typeface="Consolas" panose="020B0609020204030204" pitchFamily="49" charset="0"/>
+              </a:rPr>
+              <a:t>() {</a:t>
+            </a:r>
+            <a:br>
+              <a:rPr lang="en-US" sz="1700" b="0" i="0" dirty="0">
+                <a:solidFill>
+                  <a:srgbClr val="000000"/>
+                </a:solidFill>
+                <a:effectLst/>
+                <a:latin typeface="Consolas" panose="020B0609020204030204" pitchFamily="49" charset="0"/>
+              </a:rPr>
+            </a:br>
+            <a:r>
+              <a:rPr lang="en-US" sz="1700" b="0" i="0" dirty="0">
+                <a:solidFill>
+                  <a:srgbClr val="000000"/>
+                </a:solidFill>
+                <a:effectLst/>
+                <a:latin typeface="Consolas" panose="020B0609020204030204" pitchFamily="49" charset="0"/>
+              </a:rPr>
+              <a:t>  </a:t>
+            </a:r>
+            <a:r>
+              <a:rPr lang="en-US" sz="1700" b="0" i="0" dirty="0" err="1">
+                <a:solidFill>
+                  <a:srgbClr val="000000"/>
+                </a:solidFill>
+                <a:effectLst/>
+                <a:latin typeface="Consolas" panose="020B0609020204030204" pitchFamily="49" charset="0"/>
+              </a:rPr>
+              <a:t>document.getElementById</a:t>
+            </a:r>
+            <a:r>
+              <a:rPr lang="en-US" sz="1700" b="0" i="0" dirty="0">
+                <a:solidFill>
+                  <a:srgbClr val="000000"/>
+                </a:solidFill>
+                <a:effectLst/>
+                <a:latin typeface="Consolas" panose="020B0609020204030204" pitchFamily="49" charset="0"/>
+              </a:rPr>
+              <a:t>(</a:t>
+            </a:r>
+            <a:r>
+              <a:rPr lang="en-US" sz="1700" b="0" i="0" dirty="0">
+                <a:solidFill>
+                  <a:srgbClr val="A52A2A"/>
+                </a:solidFill>
+                <a:effectLst/>
+                <a:latin typeface="Consolas" panose="020B0609020204030204" pitchFamily="49" charset="0"/>
+              </a:rPr>
+              <a:t>"demo"</a:t>
+            </a:r>
+            <a:r>
+              <a:rPr lang="en-US" sz="1700" b="0" i="0" dirty="0">
+                <a:solidFill>
+                  <a:srgbClr val="000000"/>
+                </a:solidFill>
+                <a:effectLst/>
+                <a:latin typeface="Consolas" panose="020B0609020204030204" pitchFamily="49" charset="0"/>
+              </a:rPr>
+              <a:t>).</a:t>
+            </a:r>
+            <a:r>
+              <a:rPr lang="en-US" sz="1700" b="0" i="0" dirty="0" err="1">
+                <a:solidFill>
+                  <a:srgbClr val="000000"/>
+                </a:solidFill>
+                <a:effectLst/>
+                <a:latin typeface="Consolas" panose="020B0609020204030204" pitchFamily="49" charset="0"/>
+              </a:rPr>
+              <a:t>innerHTML</a:t>
+            </a:r>
+            <a:r>
+              <a:rPr lang="en-US" sz="1700" b="0" i="0" dirty="0">
+                <a:solidFill>
+                  <a:srgbClr val="000000"/>
+                </a:solidFill>
+                <a:effectLst/>
+                <a:latin typeface="Consolas" panose="020B0609020204030204" pitchFamily="49" charset="0"/>
+              </a:rPr>
+              <a:t> = </a:t>
+            </a:r>
+            <a:r>
+              <a:rPr lang="en-US" sz="1700" b="0" i="0" dirty="0">
+                <a:solidFill>
+                  <a:srgbClr val="A52A2A"/>
+                </a:solidFill>
+                <a:effectLst/>
+                <a:latin typeface="Consolas" panose="020B0609020204030204" pitchFamily="49" charset="0"/>
+              </a:rPr>
+              <a:t>"</a:t>
+            </a:r>
+            <a:r>
+              <a:rPr lang="ru-RU" sz="1700" dirty="0">
+                <a:solidFill>
+                  <a:srgbClr val="A52A2A"/>
+                </a:solidFill>
+                <a:latin typeface="Consolas" panose="020B0609020204030204" pitchFamily="49" charset="0"/>
+              </a:rPr>
+              <a:t>Параграф изменился</a:t>
+            </a:r>
+            <a:r>
+              <a:rPr lang="en-US" sz="1700" b="0" i="0" dirty="0">
+                <a:solidFill>
+                  <a:srgbClr val="A52A2A"/>
+                </a:solidFill>
+                <a:effectLst/>
+                <a:latin typeface="Consolas" panose="020B0609020204030204" pitchFamily="49" charset="0"/>
+              </a:rPr>
+              <a:t>."</a:t>
+            </a:r>
+            <a:r>
+              <a:rPr lang="en-US" sz="1700" b="0" i="0" dirty="0">
+                <a:solidFill>
+                  <a:srgbClr val="000000"/>
+                </a:solidFill>
+                <a:effectLst/>
+                <a:latin typeface="Consolas" panose="020B0609020204030204" pitchFamily="49" charset="0"/>
+              </a:rPr>
+              <a:t>;</a:t>
+            </a:r>
+            <a:br>
+              <a:rPr lang="en-US" sz="1700" b="0" i="0" dirty="0">
+                <a:solidFill>
+                  <a:srgbClr val="000000"/>
+                </a:solidFill>
+                <a:effectLst/>
+                <a:latin typeface="Consolas" panose="020B0609020204030204" pitchFamily="49" charset="0"/>
+              </a:rPr>
+            </a:br>
+            <a:r>
+              <a:rPr lang="en-US" sz="1700" b="0" i="0" dirty="0">
+                <a:solidFill>
+                  <a:srgbClr val="000000"/>
+                </a:solidFill>
+                <a:effectLst/>
+                <a:latin typeface="Consolas" panose="020B0609020204030204" pitchFamily="49" charset="0"/>
+              </a:rPr>
+              <a:t>}</a:t>
+            </a:r>
+            <a:br>
+              <a:rPr lang="en-US" sz="1700" b="0" i="0" dirty="0">
+                <a:solidFill>
+                  <a:srgbClr val="000000"/>
+                </a:solidFill>
+                <a:effectLst/>
+                <a:latin typeface="Consolas" panose="020B0609020204030204" pitchFamily="49" charset="0"/>
+              </a:rPr>
+            </a:br>
+            <a:r>
+              <a:rPr lang="en-US" sz="1700" b="0" i="0" dirty="0">
+                <a:solidFill>
+                  <a:srgbClr val="0000CD"/>
+                </a:solidFill>
+                <a:effectLst/>
+                <a:latin typeface="Consolas" panose="020B0609020204030204" pitchFamily="49" charset="0"/>
+              </a:rPr>
+              <a:t>&lt;</a:t>
+            </a:r>
+            <a:r>
+              <a:rPr lang="en-US" sz="1700" b="0" i="0" dirty="0">
+                <a:solidFill>
+                  <a:srgbClr val="A52A2A"/>
+                </a:solidFill>
+                <a:effectLst/>
+                <a:latin typeface="Consolas" panose="020B0609020204030204" pitchFamily="49" charset="0"/>
+              </a:rPr>
+              <a:t>/script</a:t>
+            </a:r>
+            <a:r>
+              <a:rPr lang="en-US" sz="1700" b="0" i="0" dirty="0">
+                <a:solidFill>
+                  <a:srgbClr val="0000CD"/>
+                </a:solidFill>
+                <a:effectLst/>
+                <a:latin typeface="Consolas" panose="020B0609020204030204" pitchFamily="49" charset="0"/>
+              </a:rPr>
+              <a:t>&gt;</a:t>
+            </a:r>
+            <a:br>
+              <a:rPr lang="en-US" sz="1700" dirty="0"/>
+            </a:br>
+            <a:br>
+              <a:rPr lang="en-US" sz="1700" dirty="0"/>
+            </a:br>
+            <a:r>
+              <a:rPr lang="en-US" sz="1700" b="0" i="0" dirty="0">
+                <a:solidFill>
+                  <a:srgbClr val="0000CD"/>
+                </a:solidFill>
+                <a:effectLst/>
+                <a:latin typeface="Consolas" panose="020B0609020204030204" pitchFamily="49" charset="0"/>
+              </a:rPr>
+              <a:t>&lt;</a:t>
+            </a:r>
+            <a:r>
+              <a:rPr lang="en-US" sz="1700" b="0" i="0" dirty="0">
+                <a:solidFill>
+                  <a:srgbClr val="A52A2A"/>
+                </a:solidFill>
+                <a:effectLst/>
+                <a:latin typeface="Consolas" panose="020B0609020204030204" pitchFamily="49" charset="0"/>
+              </a:rPr>
+              <a:t>/body</a:t>
+            </a:r>
+            <a:r>
+              <a:rPr lang="en-US" sz="1700" b="0" i="0" dirty="0">
+                <a:solidFill>
+                  <a:srgbClr val="0000CD"/>
+                </a:solidFill>
+                <a:effectLst/>
+                <a:latin typeface="Consolas" panose="020B0609020204030204" pitchFamily="49" charset="0"/>
+              </a:rPr>
+              <a:t>&gt;</a:t>
+            </a:r>
+            <a:br>
+              <a:rPr lang="en-US" sz="1700" dirty="0"/>
+            </a:br>
+            <a:r>
+              <a:rPr lang="en-US" sz="1700" b="0" i="0" dirty="0">
+                <a:solidFill>
+                  <a:srgbClr val="0000CD"/>
+                </a:solidFill>
+                <a:effectLst/>
+                <a:latin typeface="Consolas" panose="020B0609020204030204" pitchFamily="49" charset="0"/>
+              </a:rPr>
+              <a:t>&lt;</a:t>
+            </a:r>
+            <a:r>
+              <a:rPr lang="en-US" sz="1700" b="0" i="0" dirty="0">
+                <a:solidFill>
+                  <a:srgbClr val="A52A2A"/>
+                </a:solidFill>
+                <a:effectLst/>
+                <a:latin typeface="Consolas" panose="020B0609020204030204" pitchFamily="49" charset="0"/>
+              </a:rPr>
+              <a:t>/html</a:t>
+            </a:r>
+            <a:r>
+              <a:rPr lang="en-US" sz="1700" b="0" i="0" dirty="0">
+                <a:solidFill>
+                  <a:srgbClr val="0000CD"/>
+                </a:solidFill>
+                <a:effectLst/>
+                <a:latin typeface="Consolas" panose="020B0609020204030204" pitchFamily="49" charset="0"/>
+              </a:rPr>
+              <a:t>&gt;</a:t>
+            </a:r>
+            <a:endParaRPr lang="en-US" sz="1700" dirty="0"/>
+          </a:p>
+        </p:txBody>
+      </p:sp>
+      <p:sp>
+        <p:nvSpPr>
+          <p:cNvPr id="8" name="TextBox 7">
+            <a:extLst>
+              <a:ext uri="{FF2B5EF4-FFF2-40B4-BE49-F238E27FC236}">
+                <a16:creationId xmlns:a16="http://schemas.microsoft.com/office/drawing/2014/main" id="{7A701CD7-8F40-424D-A225-46E0BEB2EED1}"/>
+              </a:ext>
+            </a:extLst>
+          </p:cNvPr>
+          <p:cNvSpPr txBox="1"/>
+          <p:nvPr/>
+        </p:nvSpPr>
+        <p:spPr>
+          <a:xfrm>
+            <a:off x="272140" y="6162461"/>
+            <a:ext cx="8618702" cy="646331"/>
+          </a:xfrm>
+          <a:prstGeom prst="rect">
+            <a:avLst/>
+          </a:prstGeom>
+          <a:noFill/>
+        </p:spPr>
+        <p:txBody>
+          <a:bodyPr wrap="square">
+            <a:spAutoFit/>
+          </a:bodyPr>
+          <a:lstStyle/>
+          <a:p>
+            <a:r>
+              <a:rPr lang="ru-RU" dirty="0"/>
+              <a:t>Размещение скриптов в нижней части элемента &lt;</a:t>
+            </a:r>
+            <a:r>
+              <a:rPr lang="ru-RU" dirty="0" err="1"/>
+              <a:t>body</a:t>
+            </a:r>
+            <a:r>
+              <a:rPr lang="ru-RU" dirty="0"/>
+              <a:t>&gt; увеличивает скорость отображения, поскольку интерпретация скриптов замедляет отображение.</a:t>
+            </a:r>
+          </a:p>
+        </p:txBody>
+      </p:sp>
+      <p:sp>
+        <p:nvSpPr>
+          <p:cNvPr id="3" name="Номер слайда 2">
+            <a:extLst>
+              <a:ext uri="{FF2B5EF4-FFF2-40B4-BE49-F238E27FC236}">
+                <a16:creationId xmlns:a16="http://schemas.microsoft.com/office/drawing/2014/main" id="{8F47A407-0F99-4956-8744-AA9D2FAF6466}"/>
+              </a:ext>
+            </a:extLst>
+          </p:cNvPr>
+          <p:cNvSpPr>
+            <a:spLocks noGrp="1"/>
+          </p:cNvSpPr>
+          <p:nvPr>
+            <p:ph type="sldNum" sz="quarter" idx="12"/>
+          </p:nvPr>
+        </p:nvSpPr>
+        <p:spPr/>
+        <p:txBody>
+          <a:bodyPr/>
+          <a:lstStyle/>
+          <a:p>
+            <a:fld id="{C91A140B-44EE-4255-A26C-1F2780EA458E}" type="slidenum">
+              <a:rPr lang="ru-RU" smtClean="0"/>
+              <a:t>29</a:t>
+            </a:fld>
+            <a:endParaRPr lang="ru-RU"/>
+          </a:p>
+        </p:txBody>
+      </p:sp>
+      <p:sp>
+        <p:nvSpPr>
+          <p:cNvPr id="7" name="Заголовок 3">
+            <a:extLst>
+              <a:ext uri="{FF2B5EF4-FFF2-40B4-BE49-F238E27FC236}">
+                <a16:creationId xmlns:a16="http://schemas.microsoft.com/office/drawing/2014/main" id="{E38085E9-BC57-418D-AE49-941A0801FCA7}"/>
+              </a:ext>
+            </a:extLst>
+          </p:cNvPr>
+          <p:cNvSpPr>
+            <a:spLocks noGrp="1"/>
+          </p:cNvSpPr>
+          <p:nvPr>
+            <p:ph type="title"/>
+          </p:nvPr>
+        </p:nvSpPr>
+        <p:spPr>
+          <a:xfrm>
+            <a:off x="3033132" y="123461"/>
+            <a:ext cx="5876692" cy="605879"/>
+          </a:xfrm>
+        </p:spPr>
+        <p:txBody>
+          <a:bodyPr>
+            <a:normAutofit/>
+          </a:bodyPr>
+          <a:lstStyle/>
+          <a:p>
+            <a:r>
+              <a:rPr lang="ru-RU" dirty="0"/>
+              <a:t>Вопрос 3. Основы </a:t>
+            </a:r>
+            <a:r>
+              <a:rPr lang="en-US" dirty="0"/>
+              <a:t>Java Script</a:t>
+            </a:r>
+            <a:endParaRPr lang="ru-RU" dirty="0"/>
+          </a:p>
+        </p:txBody>
+      </p:sp>
+      <p:sp>
+        <p:nvSpPr>
+          <p:cNvPr id="10" name="TextBox 9">
+            <a:extLst>
+              <a:ext uri="{FF2B5EF4-FFF2-40B4-BE49-F238E27FC236}">
+                <a16:creationId xmlns:a16="http://schemas.microsoft.com/office/drawing/2014/main" id="{B58C8AAC-CBBD-40E0-882C-6255410551E5}"/>
+              </a:ext>
+            </a:extLst>
+          </p:cNvPr>
+          <p:cNvSpPr txBox="1"/>
+          <p:nvPr/>
+        </p:nvSpPr>
+        <p:spPr>
+          <a:xfrm>
+            <a:off x="3033132" y="894870"/>
+            <a:ext cx="4063820" cy="369332"/>
+          </a:xfrm>
+          <a:prstGeom prst="rect">
+            <a:avLst/>
+          </a:prstGeom>
+          <a:noFill/>
+        </p:spPr>
+        <p:txBody>
+          <a:bodyPr wrap="square">
+            <a:spAutoFit/>
+          </a:bodyPr>
+          <a:lstStyle/>
+          <a:p>
+            <a:r>
+              <a:rPr lang="ru-RU" dirty="0"/>
+              <a:t>Функция Ява-скрипт в разделе &lt;</a:t>
+            </a:r>
+            <a:r>
+              <a:rPr lang="en-US" dirty="0"/>
+              <a:t>body</a:t>
+            </a:r>
+            <a:r>
+              <a:rPr lang="ru-RU" dirty="0"/>
+              <a:t>&gt;</a:t>
+            </a:r>
+          </a:p>
+        </p:txBody>
+      </p:sp>
+    </p:spTree>
+    <p:extLst>
+      <p:ext uri="{BB962C8B-B14F-4D97-AF65-F5344CB8AC3E}">
+        <p14:creationId xmlns:p14="http://schemas.microsoft.com/office/powerpoint/2010/main" val="140175170"/>
       </p:ext>
     </p:extLst>
   </p:cSld>
@@ -12625,6 +13910,36 @@
     <p:extLst>
       <p:ext uri="{BB962C8B-B14F-4D97-AF65-F5344CB8AC3E}">
         <p14:creationId xmlns:p14="http://schemas.microsoft.com/office/powerpoint/2010/main" val="3950006535"/>
+      </p:ext>
+    </p:extLst>
+  </p:cSld>
+  <p:clrMapOvr>
+    <a:masterClrMapping/>
+  </p:clrMapOvr>
+</p:sld>
+</file>
+
+<file path=ppt/slides/slide30.xml><?xml version="1.0" encoding="utf-8"?>
+<p:sld xmlns:a="http://schemas.openxmlformats.org/drawingml/2006/main" xmlns:r="http://schemas.openxmlformats.org/officeDocument/2006/relationships" xmlns:p="http://schemas.openxmlformats.org/presentationml/2006/main">
+  <p:cSld>
+    <p:spTree>
+      <p:nvGrpSpPr>
+        <p:cNvPr id="1" name=""/>
+        <p:cNvGrpSpPr/>
+        <p:nvPr/>
+      </p:nvGrpSpPr>
+      <p:grpSpPr>
+        <a:xfrm>
+          <a:off x="0" y="0"/>
+          <a:ext cx="0" cy="0"/>
+          <a:chOff x="0" y="0"/>
+          <a:chExt cx="0" cy="0"/>
+        </a:xfrm>
+      </p:grpSpPr>
+    </p:spTree>
+    <p:extLst>
+      <p:ext uri="{BB962C8B-B14F-4D97-AF65-F5344CB8AC3E}">
+        <p14:creationId xmlns:p14="http://schemas.microsoft.com/office/powerpoint/2010/main" val="3773522679"/>
       </p:ext>
     </p:extLst>
   </p:cSld>
